--- a/Intern Class 2015 - Azure.pptx
+++ b/Intern Class 2015 - Azure.pptx
@@ -6,7 +6,7 @@
     <p:sldMasterId id="2147483648" r:id="rId6"/>
   </p:sldMasterIdLst>
   <p:notesMasterIdLst>
-    <p:notesMasterId r:id="rId24"/>
+    <p:notesMasterId r:id="rId28"/>
   </p:notesMasterIdLst>
   <p:sldIdLst>
     <p:sldId id="260" r:id="rId7"/>
@@ -24,8 +24,12 @@
     <p:sldId id="280" r:id="rId19"/>
     <p:sldId id="281" r:id="rId20"/>
     <p:sldId id="282" r:id="rId21"/>
-    <p:sldId id="268" r:id="rId22"/>
-    <p:sldId id="270" r:id="rId23"/>
+    <p:sldId id="283" r:id="rId22"/>
+    <p:sldId id="284" r:id="rId23"/>
+    <p:sldId id="285" r:id="rId24"/>
+    <p:sldId id="286" r:id="rId25"/>
+    <p:sldId id="268" r:id="rId26"/>
+    <p:sldId id="270" r:id="rId27"/>
   </p:sldIdLst>
   <p:sldSz cx="9144000" cy="5143500" type="screen16x9"/>
   <p:notesSz cx="7010400" cy="9296400"/>
@@ -156,6 +160,10 @@
           <p14:sldIdLst>
             <p14:sldId id="281"/>
             <p14:sldId id="282"/>
+            <p14:sldId id="283"/>
+            <p14:sldId id="284"/>
+            <p14:sldId id="285"/>
+            <p14:sldId id="286"/>
             <p14:sldId id="268"/>
             <p14:sldId id="270"/>
           </p14:sldIdLst>
@@ -1173,8 +1181,91 @@
             </a:pPr>
             <a:r>
               <a:rPr lang="en-US" dirty="0" smtClean="0"/>
-              <a:t>No DB connectivity</a:t>
-            </a:r>
+              <a:t>No DB </a:t>
+            </a:r>
+            <a:r>
+              <a:rPr lang="en-US" dirty="0" smtClean="0"/>
+              <a:t>connectivity</a:t>
+            </a:r>
+          </a:p>
+          <a:p>
+            <a:pPr marL="171450" indent="-171450">
+              <a:buFont typeface="Arial" panose="020B0604020202020204" pitchFamily="34" charset="0"/>
+              <a:buChar char="•"/>
+            </a:pPr>
+            <a:r>
+              <a:rPr lang="en-US" dirty="0" smtClean="0"/>
+              <a:t>Steps</a:t>
+            </a:r>
+            <a:r>
+              <a:rPr lang="en-US" baseline="0" dirty="0" smtClean="0"/>
+              <a:t> – Visual Studio</a:t>
+            </a:r>
+          </a:p>
+          <a:p>
+            <a:pPr marL="628650" lvl="1" indent="-171450">
+              <a:buFont typeface="Arial" panose="020B0604020202020204" pitchFamily="34" charset="0"/>
+              <a:buChar char="•"/>
+            </a:pPr>
+            <a:r>
+              <a:rPr lang="en-US" dirty="0" smtClean="0"/>
+              <a:t>Open VS2013 (if</a:t>
+            </a:r>
+            <a:r>
+              <a:rPr lang="en-US" baseline="0" dirty="0" smtClean="0"/>
+              <a:t> possible)</a:t>
+            </a:r>
+          </a:p>
+          <a:p>
+            <a:pPr marL="628650" lvl="1" indent="-171450">
+              <a:buFont typeface="Arial" panose="020B0604020202020204" pitchFamily="34" charset="0"/>
+              <a:buChar char="•"/>
+            </a:pPr>
+            <a:r>
+              <a:rPr lang="en-US" baseline="0" dirty="0" smtClean="0"/>
+              <a:t>New Project…</a:t>
+            </a:r>
+          </a:p>
+          <a:p>
+            <a:pPr marL="628650" lvl="1" indent="-171450">
+              <a:buFont typeface="Arial" panose="020B0604020202020204" pitchFamily="34" charset="0"/>
+              <a:buChar char="•"/>
+            </a:pPr>
+            <a:r>
+              <a:rPr lang="en-US" baseline="0" dirty="0" smtClean="0"/>
+              <a:t>Installed &gt; Templates &gt; Visual C# &gt; Web &gt; ASP.NET Web Application</a:t>
+            </a:r>
+          </a:p>
+          <a:p>
+            <a:pPr marL="628650" lvl="1" indent="-171450">
+              <a:buFont typeface="Arial" panose="020B0604020202020204" pitchFamily="34" charset="0"/>
+              <a:buChar char="•"/>
+            </a:pPr>
+            <a:r>
+              <a:rPr lang="en-US" baseline="0" dirty="0" smtClean="0"/>
+              <a:t>MVC App (or Empty is actually fine)</a:t>
+            </a:r>
+          </a:p>
+          <a:p>
+            <a:pPr marL="628650" lvl="1" indent="-171450">
+              <a:buFont typeface="Arial" panose="020B0604020202020204" pitchFamily="34" charset="0"/>
+              <a:buChar char="•"/>
+            </a:pPr>
+            <a:r>
+              <a:rPr lang="en-US" baseline="0" dirty="0" smtClean="0"/>
+              <a:t>Check “Host in the cloud” as a Web App</a:t>
+            </a:r>
+          </a:p>
+          <a:p>
+            <a:pPr marL="628650" lvl="1" indent="-171450">
+              <a:buFont typeface="Arial" panose="020B0604020202020204" pitchFamily="34" charset="0"/>
+              <a:buChar char="•"/>
+            </a:pPr>
+            <a:r>
+              <a:rPr lang="en-US" dirty="0" smtClean="0"/>
+              <a:t>Configuration settings</a:t>
+            </a:r>
+            <a:endParaRPr lang="en-US" dirty="0" smtClean="0"/>
           </a:p>
           <a:p>
             <a:pPr marL="171450" indent="-171450">
@@ -1328,7 +1419,167 @@
           <a:bodyPr/>
           <a:lstStyle/>
           <a:p>
-            <a:endParaRPr lang="en-US"/>
+            <a:pPr marL="171450" indent="-171450">
+              <a:buFont typeface="Arial" panose="020B0604020202020204" pitchFamily="34" charset="0"/>
+              <a:buChar char="•"/>
+            </a:pPr>
+            <a:r>
+              <a:rPr lang="en-US" dirty="0" smtClean="0"/>
+              <a:t>No DB </a:t>
+            </a:r>
+            <a:r>
+              <a:rPr lang="en-US" dirty="0" smtClean="0"/>
+              <a:t>connectivity</a:t>
+            </a:r>
+          </a:p>
+          <a:p>
+            <a:pPr marL="171450" indent="-171450">
+              <a:buFont typeface="Arial" panose="020B0604020202020204" pitchFamily="34" charset="0"/>
+              <a:buChar char="•"/>
+            </a:pPr>
+            <a:r>
+              <a:rPr lang="en-US" dirty="0" smtClean="0"/>
+              <a:t>Steps</a:t>
+            </a:r>
+            <a:r>
+              <a:rPr lang="en-US" baseline="0" dirty="0" smtClean="0"/>
+              <a:t> – Visual Studio</a:t>
+            </a:r>
+          </a:p>
+          <a:p>
+            <a:pPr marL="628650" lvl="1" indent="-171450">
+              <a:buFont typeface="Arial" panose="020B0604020202020204" pitchFamily="34" charset="0"/>
+              <a:buChar char="•"/>
+            </a:pPr>
+            <a:r>
+              <a:rPr lang="en-US" dirty="0" smtClean="0"/>
+              <a:t>Open VS2013 (if</a:t>
+            </a:r>
+            <a:r>
+              <a:rPr lang="en-US" baseline="0" dirty="0" smtClean="0"/>
+              <a:t> possible)</a:t>
+            </a:r>
+          </a:p>
+          <a:p>
+            <a:pPr marL="628650" lvl="1" indent="-171450">
+              <a:buFont typeface="Arial" panose="020B0604020202020204" pitchFamily="34" charset="0"/>
+              <a:buChar char="•"/>
+            </a:pPr>
+            <a:r>
+              <a:rPr lang="en-US" baseline="0" dirty="0" smtClean="0"/>
+              <a:t>New Project…</a:t>
+            </a:r>
+          </a:p>
+          <a:p>
+            <a:pPr marL="628650" lvl="1" indent="-171450">
+              <a:buFont typeface="Arial" panose="020B0604020202020204" pitchFamily="34" charset="0"/>
+              <a:buChar char="•"/>
+            </a:pPr>
+            <a:r>
+              <a:rPr lang="en-US" baseline="0" dirty="0" smtClean="0"/>
+              <a:t>Installed &gt; Templates &gt; Visual C# &gt; Web &gt; ASP.NET Web Application</a:t>
+            </a:r>
+          </a:p>
+          <a:p>
+            <a:pPr marL="628650" lvl="1" indent="-171450">
+              <a:buFont typeface="Arial" panose="020B0604020202020204" pitchFamily="34" charset="0"/>
+              <a:buChar char="•"/>
+            </a:pPr>
+            <a:r>
+              <a:rPr lang="en-US" baseline="0" dirty="0" smtClean="0"/>
+              <a:t>MVC App (or Empty is actually fine)</a:t>
+            </a:r>
+          </a:p>
+          <a:p>
+            <a:pPr marL="628650" lvl="1" indent="-171450">
+              <a:buFont typeface="Arial" panose="020B0604020202020204" pitchFamily="34" charset="0"/>
+              <a:buChar char="•"/>
+            </a:pPr>
+            <a:r>
+              <a:rPr lang="en-US" baseline="0" dirty="0" smtClean="0"/>
+              <a:t>Check “Host in the cloud” as a Web App</a:t>
+            </a:r>
+          </a:p>
+          <a:p>
+            <a:pPr marL="628650" lvl="1" indent="-171450">
+              <a:buFont typeface="Arial" panose="020B0604020202020204" pitchFamily="34" charset="0"/>
+              <a:buChar char="•"/>
+            </a:pPr>
+            <a:r>
+              <a:rPr lang="en-US" smtClean="0"/>
+              <a:t>Configuration settings</a:t>
+            </a:r>
+            <a:endParaRPr lang="en-US" dirty="0" smtClean="0"/>
+          </a:p>
+          <a:p>
+            <a:pPr marL="171450" indent="-171450">
+              <a:buFont typeface="Arial" panose="020B0604020202020204" pitchFamily="34" charset="0"/>
+              <a:buChar char="•"/>
+            </a:pPr>
+            <a:r>
+              <a:rPr lang="en-US" dirty="0" smtClean="0"/>
+              <a:t>Steps –</a:t>
+            </a:r>
+            <a:r>
+              <a:rPr lang="en-US" baseline="0" dirty="0" smtClean="0"/>
+              <a:t> portal.azure.com</a:t>
+            </a:r>
+            <a:endParaRPr lang="en-US" dirty="0" smtClean="0"/>
+          </a:p>
+          <a:p>
+            <a:pPr marL="628650" lvl="1" indent="-171450">
+              <a:buFont typeface="Arial" panose="020B0604020202020204" pitchFamily="34" charset="0"/>
+              <a:buChar char="•"/>
+            </a:pPr>
+            <a:r>
+              <a:rPr lang="en-US" dirty="0" smtClean="0"/>
+              <a:t>NEW</a:t>
+            </a:r>
+          </a:p>
+          <a:p>
+            <a:pPr marL="628650" lvl="1" indent="-171450">
+              <a:buFont typeface="Arial" panose="020B0604020202020204" pitchFamily="34" charset="0"/>
+              <a:buChar char="•"/>
+            </a:pPr>
+            <a:r>
+              <a:rPr lang="en-US" dirty="0" smtClean="0"/>
+              <a:t>Web</a:t>
+            </a:r>
+            <a:r>
+              <a:rPr lang="en-US" baseline="0" dirty="0" smtClean="0"/>
+              <a:t> Apps</a:t>
+            </a:r>
+          </a:p>
+          <a:p>
+            <a:pPr marL="628650" lvl="1" indent="-171450">
+              <a:buFont typeface="Arial" panose="020B0604020202020204" pitchFamily="34" charset="0"/>
+              <a:buChar char="•"/>
+            </a:pPr>
+            <a:r>
+              <a:rPr lang="en-US" baseline="0" dirty="0" smtClean="0"/>
+              <a:t>Web App</a:t>
+            </a:r>
+          </a:p>
+          <a:p>
+            <a:pPr marL="628650" lvl="1" indent="-171450">
+              <a:buFont typeface="Arial" panose="020B0604020202020204" pitchFamily="34" charset="0"/>
+              <a:buChar char="•"/>
+            </a:pPr>
+            <a:r>
+              <a:rPr lang="en-US" baseline="0" dirty="0" smtClean="0"/>
+              <a:t>URL, App Service Plan, Pricing Tier</a:t>
+            </a:r>
+          </a:p>
+          <a:p>
+            <a:pPr marL="628650" lvl="1" indent="-171450">
+              <a:buFont typeface="Arial" panose="020B0604020202020204" pitchFamily="34" charset="0"/>
+              <a:buChar char="•"/>
+            </a:pPr>
+            <a:r>
+              <a:rPr lang="en-US" baseline="0" dirty="0" smtClean="0"/>
+              <a:t>Bring External Domains (Custom Domain Assignment)</a:t>
+            </a:r>
+            <a:endParaRPr lang="en-US" dirty="0"/>
           </a:p>
         </p:txBody>
       </p:sp>
@@ -1358,7 +1609,7 @@
     </p:spTree>
     <p:extLst>
       <p:ext uri="{BB962C8B-B14F-4D97-AF65-F5344CB8AC3E}">
-        <p14:creationId xmlns:p14="http://schemas.microsoft.com/office/powerpoint/2010/main" val="3853542102"/>
+        <p14:creationId xmlns:p14="http://schemas.microsoft.com/office/powerpoint/2010/main" val="2611963957"/>
       </p:ext>
     </p:extLst>
   </p:cSld>
@@ -1412,7 +1663,167 @@
           <a:bodyPr/>
           <a:lstStyle/>
           <a:p>
-            <a:endParaRPr lang="en-US"/>
+            <a:pPr marL="171450" indent="-171450">
+              <a:buFont typeface="Arial" panose="020B0604020202020204" pitchFamily="34" charset="0"/>
+              <a:buChar char="•"/>
+            </a:pPr>
+            <a:r>
+              <a:rPr lang="en-US" dirty="0" smtClean="0"/>
+              <a:t>No DB </a:t>
+            </a:r>
+            <a:r>
+              <a:rPr lang="en-US" dirty="0" smtClean="0"/>
+              <a:t>connectivity</a:t>
+            </a:r>
+          </a:p>
+          <a:p>
+            <a:pPr marL="171450" indent="-171450">
+              <a:buFont typeface="Arial" panose="020B0604020202020204" pitchFamily="34" charset="0"/>
+              <a:buChar char="•"/>
+            </a:pPr>
+            <a:r>
+              <a:rPr lang="en-US" dirty="0" smtClean="0"/>
+              <a:t>Steps</a:t>
+            </a:r>
+            <a:r>
+              <a:rPr lang="en-US" baseline="0" dirty="0" smtClean="0"/>
+              <a:t> – Visual Studio</a:t>
+            </a:r>
+          </a:p>
+          <a:p>
+            <a:pPr marL="628650" lvl="1" indent="-171450">
+              <a:buFont typeface="Arial" panose="020B0604020202020204" pitchFamily="34" charset="0"/>
+              <a:buChar char="•"/>
+            </a:pPr>
+            <a:r>
+              <a:rPr lang="en-US" dirty="0" smtClean="0"/>
+              <a:t>Open VS2013 (if</a:t>
+            </a:r>
+            <a:r>
+              <a:rPr lang="en-US" baseline="0" dirty="0" smtClean="0"/>
+              <a:t> possible)</a:t>
+            </a:r>
+          </a:p>
+          <a:p>
+            <a:pPr marL="628650" lvl="1" indent="-171450">
+              <a:buFont typeface="Arial" panose="020B0604020202020204" pitchFamily="34" charset="0"/>
+              <a:buChar char="•"/>
+            </a:pPr>
+            <a:r>
+              <a:rPr lang="en-US" baseline="0" dirty="0" smtClean="0"/>
+              <a:t>New Project…</a:t>
+            </a:r>
+          </a:p>
+          <a:p>
+            <a:pPr marL="628650" lvl="1" indent="-171450">
+              <a:buFont typeface="Arial" panose="020B0604020202020204" pitchFamily="34" charset="0"/>
+              <a:buChar char="•"/>
+            </a:pPr>
+            <a:r>
+              <a:rPr lang="en-US" baseline="0" dirty="0" smtClean="0"/>
+              <a:t>Installed &gt; Templates &gt; Visual C# &gt; Web &gt; ASP.NET Web Application</a:t>
+            </a:r>
+          </a:p>
+          <a:p>
+            <a:pPr marL="628650" lvl="1" indent="-171450">
+              <a:buFont typeface="Arial" panose="020B0604020202020204" pitchFamily="34" charset="0"/>
+              <a:buChar char="•"/>
+            </a:pPr>
+            <a:r>
+              <a:rPr lang="en-US" baseline="0" dirty="0" smtClean="0"/>
+              <a:t>MVC App (or Empty is actually fine)</a:t>
+            </a:r>
+          </a:p>
+          <a:p>
+            <a:pPr marL="628650" lvl="1" indent="-171450">
+              <a:buFont typeface="Arial" panose="020B0604020202020204" pitchFamily="34" charset="0"/>
+              <a:buChar char="•"/>
+            </a:pPr>
+            <a:r>
+              <a:rPr lang="en-US" baseline="0" dirty="0" smtClean="0"/>
+              <a:t>Check “Host in the cloud” as a Web App</a:t>
+            </a:r>
+          </a:p>
+          <a:p>
+            <a:pPr marL="628650" lvl="1" indent="-171450">
+              <a:buFont typeface="Arial" panose="020B0604020202020204" pitchFamily="34" charset="0"/>
+              <a:buChar char="•"/>
+            </a:pPr>
+            <a:r>
+              <a:rPr lang="en-US" smtClean="0"/>
+              <a:t>Configuration settings</a:t>
+            </a:r>
+            <a:endParaRPr lang="en-US" dirty="0" smtClean="0"/>
+          </a:p>
+          <a:p>
+            <a:pPr marL="171450" indent="-171450">
+              <a:buFont typeface="Arial" panose="020B0604020202020204" pitchFamily="34" charset="0"/>
+              <a:buChar char="•"/>
+            </a:pPr>
+            <a:r>
+              <a:rPr lang="en-US" dirty="0" smtClean="0"/>
+              <a:t>Steps –</a:t>
+            </a:r>
+            <a:r>
+              <a:rPr lang="en-US" baseline="0" dirty="0" smtClean="0"/>
+              <a:t> portal.azure.com</a:t>
+            </a:r>
+            <a:endParaRPr lang="en-US" dirty="0" smtClean="0"/>
+          </a:p>
+          <a:p>
+            <a:pPr marL="628650" lvl="1" indent="-171450">
+              <a:buFont typeface="Arial" panose="020B0604020202020204" pitchFamily="34" charset="0"/>
+              <a:buChar char="•"/>
+            </a:pPr>
+            <a:r>
+              <a:rPr lang="en-US" dirty="0" smtClean="0"/>
+              <a:t>NEW</a:t>
+            </a:r>
+          </a:p>
+          <a:p>
+            <a:pPr marL="628650" lvl="1" indent="-171450">
+              <a:buFont typeface="Arial" panose="020B0604020202020204" pitchFamily="34" charset="0"/>
+              <a:buChar char="•"/>
+            </a:pPr>
+            <a:r>
+              <a:rPr lang="en-US" dirty="0" smtClean="0"/>
+              <a:t>Web</a:t>
+            </a:r>
+            <a:r>
+              <a:rPr lang="en-US" baseline="0" dirty="0" smtClean="0"/>
+              <a:t> Apps</a:t>
+            </a:r>
+          </a:p>
+          <a:p>
+            <a:pPr marL="628650" lvl="1" indent="-171450">
+              <a:buFont typeface="Arial" panose="020B0604020202020204" pitchFamily="34" charset="0"/>
+              <a:buChar char="•"/>
+            </a:pPr>
+            <a:r>
+              <a:rPr lang="en-US" baseline="0" dirty="0" smtClean="0"/>
+              <a:t>Web App</a:t>
+            </a:r>
+          </a:p>
+          <a:p>
+            <a:pPr marL="628650" lvl="1" indent="-171450">
+              <a:buFont typeface="Arial" panose="020B0604020202020204" pitchFamily="34" charset="0"/>
+              <a:buChar char="•"/>
+            </a:pPr>
+            <a:r>
+              <a:rPr lang="en-US" baseline="0" dirty="0" smtClean="0"/>
+              <a:t>URL, App Service Plan, Pricing Tier</a:t>
+            </a:r>
+          </a:p>
+          <a:p>
+            <a:pPr marL="628650" lvl="1" indent="-171450">
+              <a:buFont typeface="Arial" panose="020B0604020202020204" pitchFamily="34" charset="0"/>
+              <a:buChar char="•"/>
+            </a:pPr>
+            <a:r>
+              <a:rPr lang="en-US" baseline="0" dirty="0" smtClean="0"/>
+              <a:t>Bring External Domains (Custom Domain Assignment)</a:t>
+            </a:r>
+            <a:endParaRPr lang="en-US" dirty="0"/>
           </a:p>
         </p:txBody>
       </p:sp>
@@ -1442,7 +1853,495 @@
     </p:spTree>
     <p:extLst>
       <p:ext uri="{BB962C8B-B14F-4D97-AF65-F5344CB8AC3E}">
-        <p14:creationId xmlns:p14="http://schemas.microsoft.com/office/powerpoint/2010/main" val="2401263804"/>
+        <p14:creationId xmlns:p14="http://schemas.microsoft.com/office/powerpoint/2010/main" val="3679613716"/>
+      </p:ext>
+    </p:extLst>
+  </p:cSld>
+  <p:clrMapOvr>
+    <a:masterClrMapping/>
+  </p:clrMapOvr>
+</p:notes>
+</file>
+
+<file path=ppt/notesSlides/notesSlide18.xml><?xml version="1.0" encoding="utf-8"?>
+<p:notes xmlns:a="http://schemas.openxmlformats.org/drawingml/2006/main" xmlns:r="http://schemas.openxmlformats.org/officeDocument/2006/relationships" xmlns:p="http://schemas.openxmlformats.org/presentationml/2006/main">
+  <p:cSld>
+    <p:spTree>
+      <p:nvGrpSpPr>
+        <p:cNvPr id="1" name=""/>
+        <p:cNvGrpSpPr/>
+        <p:nvPr/>
+      </p:nvGrpSpPr>
+      <p:grpSpPr>
+        <a:xfrm>
+          <a:off x="0" y="0"/>
+          <a:ext cx="0" cy="0"/>
+          <a:chOff x="0" y="0"/>
+          <a:chExt cx="0" cy="0"/>
+        </a:xfrm>
+      </p:grpSpPr>
+      <p:sp>
+        <p:nvSpPr>
+          <p:cNvPr id="2" name="Slide Image Placeholder 1"/>
+          <p:cNvSpPr>
+            <a:spLocks noGrp="1" noRot="1" noChangeAspect="1"/>
+          </p:cNvSpPr>
+          <p:nvPr>
+            <p:ph type="sldImg"/>
+          </p:nvPr>
+        </p:nvSpPr>
+        <p:spPr/>
+      </p:sp>
+      <p:sp>
+        <p:nvSpPr>
+          <p:cNvPr id="3" name="Notes Placeholder 2"/>
+          <p:cNvSpPr>
+            <a:spLocks noGrp="1"/>
+          </p:cNvSpPr>
+          <p:nvPr>
+            <p:ph type="body" idx="1"/>
+          </p:nvPr>
+        </p:nvSpPr>
+        <p:spPr/>
+        <p:txBody>
+          <a:bodyPr/>
+          <a:lstStyle/>
+          <a:p>
+            <a:pPr marL="171450" indent="-171450">
+              <a:buFont typeface="Arial" panose="020B0604020202020204" pitchFamily="34" charset="0"/>
+              <a:buChar char="•"/>
+            </a:pPr>
+            <a:r>
+              <a:rPr lang="en-US" dirty="0" smtClean="0"/>
+              <a:t>No DB </a:t>
+            </a:r>
+            <a:r>
+              <a:rPr lang="en-US" dirty="0" smtClean="0"/>
+              <a:t>connectivity</a:t>
+            </a:r>
+          </a:p>
+          <a:p>
+            <a:pPr marL="171450" indent="-171450">
+              <a:buFont typeface="Arial" panose="020B0604020202020204" pitchFamily="34" charset="0"/>
+              <a:buChar char="•"/>
+            </a:pPr>
+            <a:r>
+              <a:rPr lang="en-US" dirty="0" smtClean="0"/>
+              <a:t>Steps</a:t>
+            </a:r>
+            <a:r>
+              <a:rPr lang="en-US" baseline="0" dirty="0" smtClean="0"/>
+              <a:t> – Visual Studio</a:t>
+            </a:r>
+          </a:p>
+          <a:p>
+            <a:pPr marL="628650" lvl="1" indent="-171450">
+              <a:buFont typeface="Arial" panose="020B0604020202020204" pitchFamily="34" charset="0"/>
+              <a:buChar char="•"/>
+            </a:pPr>
+            <a:r>
+              <a:rPr lang="en-US" dirty="0" smtClean="0"/>
+              <a:t>Open VS2013 (if</a:t>
+            </a:r>
+            <a:r>
+              <a:rPr lang="en-US" baseline="0" dirty="0" smtClean="0"/>
+              <a:t> possible)</a:t>
+            </a:r>
+          </a:p>
+          <a:p>
+            <a:pPr marL="628650" lvl="1" indent="-171450">
+              <a:buFont typeface="Arial" panose="020B0604020202020204" pitchFamily="34" charset="0"/>
+              <a:buChar char="•"/>
+            </a:pPr>
+            <a:r>
+              <a:rPr lang="en-US" baseline="0" dirty="0" smtClean="0"/>
+              <a:t>New Project…</a:t>
+            </a:r>
+          </a:p>
+          <a:p>
+            <a:pPr marL="628650" lvl="1" indent="-171450">
+              <a:buFont typeface="Arial" panose="020B0604020202020204" pitchFamily="34" charset="0"/>
+              <a:buChar char="•"/>
+            </a:pPr>
+            <a:r>
+              <a:rPr lang="en-US" baseline="0" dirty="0" smtClean="0"/>
+              <a:t>Installed &gt; Templates &gt; Visual C# &gt; Web &gt; ASP.NET Web Application</a:t>
+            </a:r>
+          </a:p>
+          <a:p>
+            <a:pPr marL="628650" lvl="1" indent="-171450">
+              <a:buFont typeface="Arial" panose="020B0604020202020204" pitchFamily="34" charset="0"/>
+              <a:buChar char="•"/>
+            </a:pPr>
+            <a:r>
+              <a:rPr lang="en-US" baseline="0" dirty="0" smtClean="0"/>
+              <a:t>MVC App (or Empty is actually fine)</a:t>
+            </a:r>
+          </a:p>
+          <a:p>
+            <a:pPr marL="628650" lvl="1" indent="-171450">
+              <a:buFont typeface="Arial" panose="020B0604020202020204" pitchFamily="34" charset="0"/>
+              <a:buChar char="•"/>
+            </a:pPr>
+            <a:r>
+              <a:rPr lang="en-US" baseline="0" dirty="0" smtClean="0"/>
+              <a:t>Check “Host in the cloud” as a Web App</a:t>
+            </a:r>
+          </a:p>
+          <a:p>
+            <a:pPr marL="628650" lvl="1" indent="-171450">
+              <a:buFont typeface="Arial" panose="020B0604020202020204" pitchFamily="34" charset="0"/>
+              <a:buChar char="•"/>
+            </a:pPr>
+            <a:r>
+              <a:rPr lang="en-US" smtClean="0"/>
+              <a:t>Configuration settings</a:t>
+            </a:r>
+            <a:endParaRPr lang="en-US" dirty="0" smtClean="0"/>
+          </a:p>
+          <a:p>
+            <a:pPr marL="171450" indent="-171450">
+              <a:buFont typeface="Arial" panose="020B0604020202020204" pitchFamily="34" charset="0"/>
+              <a:buChar char="•"/>
+            </a:pPr>
+            <a:r>
+              <a:rPr lang="en-US" dirty="0" smtClean="0"/>
+              <a:t>Steps –</a:t>
+            </a:r>
+            <a:r>
+              <a:rPr lang="en-US" baseline="0" dirty="0" smtClean="0"/>
+              <a:t> portal.azure.com</a:t>
+            </a:r>
+            <a:endParaRPr lang="en-US" dirty="0" smtClean="0"/>
+          </a:p>
+          <a:p>
+            <a:pPr marL="628650" lvl="1" indent="-171450">
+              <a:buFont typeface="Arial" panose="020B0604020202020204" pitchFamily="34" charset="0"/>
+              <a:buChar char="•"/>
+            </a:pPr>
+            <a:r>
+              <a:rPr lang="en-US" dirty="0" smtClean="0"/>
+              <a:t>NEW</a:t>
+            </a:r>
+          </a:p>
+          <a:p>
+            <a:pPr marL="628650" lvl="1" indent="-171450">
+              <a:buFont typeface="Arial" panose="020B0604020202020204" pitchFamily="34" charset="0"/>
+              <a:buChar char="•"/>
+            </a:pPr>
+            <a:r>
+              <a:rPr lang="en-US" dirty="0" smtClean="0"/>
+              <a:t>Web</a:t>
+            </a:r>
+            <a:r>
+              <a:rPr lang="en-US" baseline="0" dirty="0" smtClean="0"/>
+              <a:t> Apps</a:t>
+            </a:r>
+          </a:p>
+          <a:p>
+            <a:pPr marL="628650" lvl="1" indent="-171450">
+              <a:buFont typeface="Arial" panose="020B0604020202020204" pitchFamily="34" charset="0"/>
+              <a:buChar char="•"/>
+            </a:pPr>
+            <a:r>
+              <a:rPr lang="en-US" baseline="0" dirty="0" smtClean="0"/>
+              <a:t>Web App</a:t>
+            </a:r>
+          </a:p>
+          <a:p>
+            <a:pPr marL="628650" lvl="1" indent="-171450">
+              <a:buFont typeface="Arial" panose="020B0604020202020204" pitchFamily="34" charset="0"/>
+              <a:buChar char="•"/>
+            </a:pPr>
+            <a:r>
+              <a:rPr lang="en-US" baseline="0" dirty="0" smtClean="0"/>
+              <a:t>URL, App Service Plan, Pricing Tier</a:t>
+            </a:r>
+          </a:p>
+          <a:p>
+            <a:pPr marL="628650" lvl="1" indent="-171450">
+              <a:buFont typeface="Arial" panose="020B0604020202020204" pitchFamily="34" charset="0"/>
+              <a:buChar char="•"/>
+            </a:pPr>
+            <a:r>
+              <a:rPr lang="en-US" baseline="0" dirty="0" smtClean="0"/>
+              <a:t>Bring External Domains (Custom Domain Assignment)</a:t>
+            </a:r>
+            <a:endParaRPr lang="en-US" dirty="0"/>
+          </a:p>
+        </p:txBody>
+      </p:sp>
+      <p:sp>
+        <p:nvSpPr>
+          <p:cNvPr id="4" name="Slide Number Placeholder 3"/>
+          <p:cNvSpPr>
+            <a:spLocks noGrp="1"/>
+          </p:cNvSpPr>
+          <p:nvPr>
+            <p:ph type="sldNum" sz="quarter" idx="10"/>
+          </p:nvPr>
+        </p:nvSpPr>
+        <p:spPr/>
+        <p:txBody>
+          <a:bodyPr/>
+          <a:lstStyle/>
+          <a:p>
+            <a:fld id="{C2B14CB4-B2E9-43E5-8534-841FE7958964}" type="slidenum">
+              <a:rPr lang="en-US" smtClean="0"/>
+              <a:t>18</a:t>
+            </a:fld>
+            <a:endParaRPr lang="en-US"/>
+          </a:p>
+        </p:txBody>
+      </p:sp>
+    </p:spTree>
+    <p:extLst>
+      <p:ext uri="{BB962C8B-B14F-4D97-AF65-F5344CB8AC3E}">
+        <p14:creationId xmlns:p14="http://schemas.microsoft.com/office/powerpoint/2010/main" val="3673626065"/>
+      </p:ext>
+    </p:extLst>
+  </p:cSld>
+  <p:clrMapOvr>
+    <a:masterClrMapping/>
+  </p:clrMapOvr>
+</p:notes>
+</file>
+
+<file path=ppt/notesSlides/notesSlide19.xml><?xml version="1.0" encoding="utf-8"?>
+<p:notes xmlns:a="http://schemas.openxmlformats.org/drawingml/2006/main" xmlns:r="http://schemas.openxmlformats.org/officeDocument/2006/relationships" xmlns:p="http://schemas.openxmlformats.org/presentationml/2006/main">
+  <p:cSld>
+    <p:spTree>
+      <p:nvGrpSpPr>
+        <p:cNvPr id="1" name=""/>
+        <p:cNvGrpSpPr/>
+        <p:nvPr/>
+      </p:nvGrpSpPr>
+      <p:grpSpPr>
+        <a:xfrm>
+          <a:off x="0" y="0"/>
+          <a:ext cx="0" cy="0"/>
+          <a:chOff x="0" y="0"/>
+          <a:chExt cx="0" cy="0"/>
+        </a:xfrm>
+      </p:grpSpPr>
+      <p:sp>
+        <p:nvSpPr>
+          <p:cNvPr id="2" name="Slide Image Placeholder 1"/>
+          <p:cNvSpPr>
+            <a:spLocks noGrp="1" noRot="1" noChangeAspect="1"/>
+          </p:cNvSpPr>
+          <p:nvPr>
+            <p:ph type="sldImg"/>
+          </p:nvPr>
+        </p:nvSpPr>
+        <p:spPr/>
+      </p:sp>
+      <p:sp>
+        <p:nvSpPr>
+          <p:cNvPr id="3" name="Notes Placeholder 2"/>
+          <p:cNvSpPr>
+            <a:spLocks noGrp="1"/>
+          </p:cNvSpPr>
+          <p:nvPr>
+            <p:ph type="body" idx="1"/>
+          </p:nvPr>
+        </p:nvSpPr>
+        <p:spPr/>
+        <p:txBody>
+          <a:bodyPr/>
+          <a:lstStyle/>
+          <a:p>
+            <a:pPr marL="171450" indent="-171450">
+              <a:buFont typeface="Arial" panose="020B0604020202020204" pitchFamily="34" charset="0"/>
+              <a:buChar char="•"/>
+            </a:pPr>
+            <a:r>
+              <a:rPr lang="en-US" dirty="0" smtClean="0"/>
+              <a:t>No DB </a:t>
+            </a:r>
+            <a:r>
+              <a:rPr lang="en-US" dirty="0" smtClean="0"/>
+              <a:t>connectivity</a:t>
+            </a:r>
+          </a:p>
+          <a:p>
+            <a:pPr marL="171450" indent="-171450">
+              <a:buFont typeface="Arial" panose="020B0604020202020204" pitchFamily="34" charset="0"/>
+              <a:buChar char="•"/>
+            </a:pPr>
+            <a:r>
+              <a:rPr lang="en-US" dirty="0" smtClean="0"/>
+              <a:t>Steps</a:t>
+            </a:r>
+            <a:r>
+              <a:rPr lang="en-US" baseline="0" dirty="0" smtClean="0"/>
+              <a:t> – Visual Studio</a:t>
+            </a:r>
+          </a:p>
+          <a:p>
+            <a:pPr marL="628650" lvl="1" indent="-171450">
+              <a:buFont typeface="Arial" panose="020B0604020202020204" pitchFamily="34" charset="0"/>
+              <a:buChar char="•"/>
+            </a:pPr>
+            <a:r>
+              <a:rPr lang="en-US" dirty="0" smtClean="0"/>
+              <a:t>Open VS2013 (if</a:t>
+            </a:r>
+            <a:r>
+              <a:rPr lang="en-US" baseline="0" dirty="0" smtClean="0"/>
+              <a:t> possible)</a:t>
+            </a:r>
+          </a:p>
+          <a:p>
+            <a:pPr marL="628650" lvl="1" indent="-171450">
+              <a:buFont typeface="Arial" panose="020B0604020202020204" pitchFamily="34" charset="0"/>
+              <a:buChar char="•"/>
+            </a:pPr>
+            <a:r>
+              <a:rPr lang="en-US" baseline="0" dirty="0" smtClean="0"/>
+              <a:t>New Project…</a:t>
+            </a:r>
+          </a:p>
+          <a:p>
+            <a:pPr marL="628650" lvl="1" indent="-171450">
+              <a:buFont typeface="Arial" panose="020B0604020202020204" pitchFamily="34" charset="0"/>
+              <a:buChar char="•"/>
+            </a:pPr>
+            <a:r>
+              <a:rPr lang="en-US" baseline="0" dirty="0" smtClean="0"/>
+              <a:t>Installed &gt; Templates &gt; Visual C# &gt; Web &gt; ASP.NET Web Application</a:t>
+            </a:r>
+          </a:p>
+          <a:p>
+            <a:pPr marL="628650" lvl="1" indent="-171450">
+              <a:buFont typeface="Arial" panose="020B0604020202020204" pitchFamily="34" charset="0"/>
+              <a:buChar char="•"/>
+            </a:pPr>
+            <a:r>
+              <a:rPr lang="en-US" baseline="0" dirty="0" smtClean="0"/>
+              <a:t>MVC App (or Empty is actually fine)</a:t>
+            </a:r>
+          </a:p>
+          <a:p>
+            <a:pPr marL="628650" lvl="1" indent="-171450">
+              <a:buFont typeface="Arial" panose="020B0604020202020204" pitchFamily="34" charset="0"/>
+              <a:buChar char="•"/>
+            </a:pPr>
+            <a:r>
+              <a:rPr lang="en-US" baseline="0" dirty="0" smtClean="0"/>
+              <a:t>Check “Host in the cloud” as a Web App</a:t>
+            </a:r>
+          </a:p>
+          <a:p>
+            <a:pPr marL="628650" lvl="1" indent="-171450">
+              <a:buFont typeface="Arial" panose="020B0604020202020204" pitchFamily="34" charset="0"/>
+              <a:buChar char="•"/>
+            </a:pPr>
+            <a:r>
+              <a:rPr lang="en-US" smtClean="0"/>
+              <a:t>Configuration settings</a:t>
+            </a:r>
+            <a:endParaRPr lang="en-US" dirty="0" smtClean="0"/>
+          </a:p>
+          <a:p>
+            <a:pPr marL="171450" indent="-171450">
+              <a:buFont typeface="Arial" panose="020B0604020202020204" pitchFamily="34" charset="0"/>
+              <a:buChar char="•"/>
+            </a:pPr>
+            <a:r>
+              <a:rPr lang="en-US" dirty="0" smtClean="0"/>
+              <a:t>Steps –</a:t>
+            </a:r>
+            <a:r>
+              <a:rPr lang="en-US" baseline="0" dirty="0" smtClean="0"/>
+              <a:t> portal.azure.com</a:t>
+            </a:r>
+            <a:endParaRPr lang="en-US" dirty="0" smtClean="0"/>
+          </a:p>
+          <a:p>
+            <a:pPr marL="628650" lvl="1" indent="-171450">
+              <a:buFont typeface="Arial" panose="020B0604020202020204" pitchFamily="34" charset="0"/>
+              <a:buChar char="•"/>
+            </a:pPr>
+            <a:r>
+              <a:rPr lang="en-US" dirty="0" smtClean="0"/>
+              <a:t>NEW</a:t>
+            </a:r>
+          </a:p>
+          <a:p>
+            <a:pPr marL="628650" lvl="1" indent="-171450">
+              <a:buFont typeface="Arial" panose="020B0604020202020204" pitchFamily="34" charset="0"/>
+              <a:buChar char="•"/>
+            </a:pPr>
+            <a:r>
+              <a:rPr lang="en-US" dirty="0" smtClean="0"/>
+              <a:t>Web</a:t>
+            </a:r>
+            <a:r>
+              <a:rPr lang="en-US" baseline="0" dirty="0" smtClean="0"/>
+              <a:t> Apps</a:t>
+            </a:r>
+          </a:p>
+          <a:p>
+            <a:pPr marL="628650" lvl="1" indent="-171450">
+              <a:buFont typeface="Arial" panose="020B0604020202020204" pitchFamily="34" charset="0"/>
+              <a:buChar char="•"/>
+            </a:pPr>
+            <a:r>
+              <a:rPr lang="en-US" baseline="0" dirty="0" smtClean="0"/>
+              <a:t>Web App</a:t>
+            </a:r>
+          </a:p>
+          <a:p>
+            <a:pPr marL="628650" lvl="1" indent="-171450">
+              <a:buFont typeface="Arial" panose="020B0604020202020204" pitchFamily="34" charset="0"/>
+              <a:buChar char="•"/>
+            </a:pPr>
+            <a:r>
+              <a:rPr lang="en-US" baseline="0" dirty="0" smtClean="0"/>
+              <a:t>URL, App Service Plan, Pricing Tier</a:t>
+            </a:r>
+          </a:p>
+          <a:p>
+            <a:pPr marL="628650" lvl="1" indent="-171450">
+              <a:buFont typeface="Arial" panose="020B0604020202020204" pitchFamily="34" charset="0"/>
+              <a:buChar char="•"/>
+            </a:pPr>
+            <a:r>
+              <a:rPr lang="en-US" baseline="0" dirty="0" smtClean="0"/>
+              <a:t>Bring External Domains (Custom Domain Assignment)</a:t>
+            </a:r>
+            <a:endParaRPr lang="en-US" dirty="0"/>
+          </a:p>
+        </p:txBody>
+      </p:sp>
+      <p:sp>
+        <p:nvSpPr>
+          <p:cNvPr id="4" name="Slide Number Placeholder 3"/>
+          <p:cNvSpPr>
+            <a:spLocks noGrp="1"/>
+          </p:cNvSpPr>
+          <p:nvPr>
+            <p:ph type="sldNum" sz="quarter" idx="10"/>
+          </p:nvPr>
+        </p:nvSpPr>
+        <p:spPr/>
+        <p:txBody>
+          <a:bodyPr/>
+          <a:lstStyle/>
+          <a:p>
+            <a:fld id="{C2B14CB4-B2E9-43E5-8534-841FE7958964}" type="slidenum">
+              <a:rPr lang="en-US" smtClean="0"/>
+              <a:t>19</a:t>
+            </a:fld>
+            <a:endParaRPr lang="en-US"/>
+          </a:p>
+        </p:txBody>
+      </p:sp>
+    </p:spTree>
+    <p:extLst>
+      <p:ext uri="{BB962C8B-B14F-4D97-AF65-F5344CB8AC3E}">
+        <p14:creationId xmlns:p14="http://schemas.microsoft.com/office/powerpoint/2010/main" val="313174629"/>
       </p:ext>
     </p:extLst>
   </p:cSld>
@@ -1577,6 +2476,174 @@
     <p:extLst>
       <p:ext uri="{BB962C8B-B14F-4D97-AF65-F5344CB8AC3E}">
         <p14:creationId xmlns:p14="http://schemas.microsoft.com/office/powerpoint/2010/main" val="1431197382"/>
+      </p:ext>
+    </p:extLst>
+  </p:cSld>
+  <p:clrMapOvr>
+    <a:masterClrMapping/>
+  </p:clrMapOvr>
+</p:notes>
+</file>
+
+<file path=ppt/notesSlides/notesSlide20.xml><?xml version="1.0" encoding="utf-8"?>
+<p:notes xmlns:a="http://schemas.openxmlformats.org/drawingml/2006/main" xmlns:r="http://schemas.openxmlformats.org/officeDocument/2006/relationships" xmlns:p="http://schemas.openxmlformats.org/presentationml/2006/main">
+  <p:cSld>
+    <p:spTree>
+      <p:nvGrpSpPr>
+        <p:cNvPr id="1" name=""/>
+        <p:cNvGrpSpPr/>
+        <p:nvPr/>
+      </p:nvGrpSpPr>
+      <p:grpSpPr>
+        <a:xfrm>
+          <a:off x="0" y="0"/>
+          <a:ext cx="0" cy="0"/>
+          <a:chOff x="0" y="0"/>
+          <a:chExt cx="0" cy="0"/>
+        </a:xfrm>
+      </p:grpSpPr>
+      <p:sp>
+        <p:nvSpPr>
+          <p:cNvPr id="2" name="Slide Image Placeholder 1"/>
+          <p:cNvSpPr>
+            <a:spLocks noGrp="1" noRot="1" noChangeAspect="1"/>
+          </p:cNvSpPr>
+          <p:nvPr>
+            <p:ph type="sldImg"/>
+          </p:nvPr>
+        </p:nvSpPr>
+        <p:spPr/>
+      </p:sp>
+      <p:sp>
+        <p:nvSpPr>
+          <p:cNvPr id="3" name="Notes Placeholder 2"/>
+          <p:cNvSpPr>
+            <a:spLocks noGrp="1"/>
+          </p:cNvSpPr>
+          <p:nvPr>
+            <p:ph type="body" idx="1"/>
+          </p:nvPr>
+        </p:nvSpPr>
+        <p:spPr/>
+        <p:txBody>
+          <a:bodyPr/>
+          <a:lstStyle/>
+          <a:p>
+            <a:endParaRPr lang="en-US" dirty="0"/>
+          </a:p>
+        </p:txBody>
+      </p:sp>
+      <p:sp>
+        <p:nvSpPr>
+          <p:cNvPr id="4" name="Slide Number Placeholder 3"/>
+          <p:cNvSpPr>
+            <a:spLocks noGrp="1"/>
+          </p:cNvSpPr>
+          <p:nvPr>
+            <p:ph type="sldNum" sz="quarter" idx="10"/>
+          </p:nvPr>
+        </p:nvSpPr>
+        <p:spPr/>
+        <p:txBody>
+          <a:bodyPr/>
+          <a:lstStyle/>
+          <a:p>
+            <a:fld id="{C2B14CB4-B2E9-43E5-8534-841FE7958964}" type="slidenum">
+              <a:rPr lang="en-US" smtClean="0"/>
+              <a:t>20</a:t>
+            </a:fld>
+            <a:endParaRPr lang="en-US"/>
+          </a:p>
+        </p:txBody>
+      </p:sp>
+    </p:spTree>
+    <p:extLst>
+      <p:ext uri="{BB962C8B-B14F-4D97-AF65-F5344CB8AC3E}">
+        <p14:creationId xmlns:p14="http://schemas.microsoft.com/office/powerpoint/2010/main" val="3853542102"/>
+      </p:ext>
+    </p:extLst>
+  </p:cSld>
+  <p:clrMapOvr>
+    <a:masterClrMapping/>
+  </p:clrMapOvr>
+</p:notes>
+</file>
+
+<file path=ppt/notesSlides/notesSlide21.xml><?xml version="1.0" encoding="utf-8"?>
+<p:notes xmlns:a="http://schemas.openxmlformats.org/drawingml/2006/main" xmlns:r="http://schemas.openxmlformats.org/officeDocument/2006/relationships" xmlns:p="http://schemas.openxmlformats.org/presentationml/2006/main">
+  <p:cSld>
+    <p:spTree>
+      <p:nvGrpSpPr>
+        <p:cNvPr id="1" name=""/>
+        <p:cNvGrpSpPr/>
+        <p:nvPr/>
+      </p:nvGrpSpPr>
+      <p:grpSpPr>
+        <a:xfrm>
+          <a:off x="0" y="0"/>
+          <a:ext cx="0" cy="0"/>
+          <a:chOff x="0" y="0"/>
+          <a:chExt cx="0" cy="0"/>
+        </a:xfrm>
+      </p:grpSpPr>
+      <p:sp>
+        <p:nvSpPr>
+          <p:cNvPr id="2" name="Slide Image Placeholder 1"/>
+          <p:cNvSpPr>
+            <a:spLocks noGrp="1" noRot="1" noChangeAspect="1"/>
+          </p:cNvSpPr>
+          <p:nvPr>
+            <p:ph type="sldImg"/>
+          </p:nvPr>
+        </p:nvSpPr>
+        <p:spPr/>
+      </p:sp>
+      <p:sp>
+        <p:nvSpPr>
+          <p:cNvPr id="3" name="Notes Placeholder 2"/>
+          <p:cNvSpPr>
+            <a:spLocks noGrp="1"/>
+          </p:cNvSpPr>
+          <p:nvPr>
+            <p:ph type="body" idx="1"/>
+          </p:nvPr>
+        </p:nvSpPr>
+        <p:spPr/>
+        <p:txBody>
+          <a:bodyPr/>
+          <a:lstStyle/>
+          <a:p>
+            <a:endParaRPr lang="en-US"/>
+          </a:p>
+        </p:txBody>
+      </p:sp>
+      <p:sp>
+        <p:nvSpPr>
+          <p:cNvPr id="4" name="Slide Number Placeholder 3"/>
+          <p:cNvSpPr>
+            <a:spLocks noGrp="1"/>
+          </p:cNvSpPr>
+          <p:nvPr>
+            <p:ph type="sldNum" sz="quarter" idx="10"/>
+          </p:nvPr>
+        </p:nvSpPr>
+        <p:spPr/>
+        <p:txBody>
+          <a:bodyPr/>
+          <a:lstStyle/>
+          <a:p>
+            <a:fld id="{C2B14CB4-B2E9-43E5-8534-841FE7958964}" type="slidenum">
+              <a:rPr lang="en-US" smtClean="0"/>
+              <a:t>21</a:t>
+            </a:fld>
+            <a:endParaRPr lang="en-US"/>
+          </a:p>
+        </p:txBody>
+      </p:sp>
+    </p:spTree>
+    <p:extLst>
+      <p:ext uri="{BB962C8B-B14F-4D97-AF65-F5344CB8AC3E}">
+        <p14:creationId xmlns:p14="http://schemas.microsoft.com/office/powerpoint/2010/main" val="2401263804"/>
       </p:ext>
     </p:extLst>
   </p:cSld>
@@ -4692,7 +5759,7 @@
 </file>
 
 <file path=ppt/slides/slide16.xml><?xml version="1.0" encoding="utf-8"?>
-<p:sld xmlns:a="http://schemas.openxmlformats.org/drawingml/2006/main" xmlns:r="http://schemas.openxmlformats.org/officeDocument/2006/relationships" xmlns:p="http://schemas.openxmlformats.org/presentationml/2006/main" show="0">
+<p:sld xmlns:a="http://schemas.openxmlformats.org/drawingml/2006/main" xmlns:r="http://schemas.openxmlformats.org/officeDocument/2006/relationships" xmlns:p="http://schemas.openxmlformats.org/presentationml/2006/main">
   <p:cSld>
     <p:spTree>
       <p:nvGrpSpPr>
@@ -4710,7 +5777,7 @@
       </p:grpSpPr>
       <p:sp>
         <p:nvSpPr>
-          <p:cNvPr id="7" name="Title 6"/>
+          <p:cNvPr id="3" name="Title 2"/>
           <p:cNvSpPr>
             <a:spLocks noGrp="1"/>
           </p:cNvSpPr>
@@ -4718,71 +5785,101 @@
             <p:ph type="title"/>
           </p:nvPr>
         </p:nvSpPr>
-        <p:spPr/>
+        <p:spPr>
+          <a:xfrm>
+            <a:off x="1171339" y="206375"/>
+            <a:ext cx="6801323" cy="857250"/>
+          </a:xfrm>
+        </p:spPr>
         <p:txBody>
           <a:bodyPr/>
           <a:lstStyle/>
           <a:p>
-            <a:endParaRPr lang="en-US" dirty="0"/>
+            <a:r>
+              <a:rPr lang="en-US" sz="3600" dirty="0" smtClean="0"/>
+              <a:t>DB-Connected Web </a:t>
+            </a:r>
+            <a:r>
+              <a:rPr lang="en-US" sz="3600" dirty="0" smtClean="0"/>
+              <a:t>APP</a:t>
+            </a:r>
+            <a:endParaRPr lang="en-US" sz="1400" b="0" cap="none" dirty="0">
+              <a:latin typeface="+mn-lt"/>
+            </a:endParaRPr>
           </a:p>
         </p:txBody>
       </p:sp>
-      <p:sp>
-        <p:nvSpPr>
-          <p:cNvPr id="8" name="Content Placeholder 7"/>
-          <p:cNvSpPr>
-            <a:spLocks noGrp="1"/>
-          </p:cNvSpPr>
-          <p:nvPr>
-            <p:ph sz="half" idx="1"/>
-          </p:nvPr>
-        </p:nvSpPr>
-        <p:spPr/>
-        <p:txBody>
-          <a:bodyPr/>
-          <a:lstStyle/>
-          <a:p>
-            <a:endParaRPr lang="en-US" dirty="0"/>
-          </a:p>
-        </p:txBody>
-      </p:sp>
-      <p:sp>
-        <p:nvSpPr>
-          <p:cNvPr id="9" name="Content Placeholder 8"/>
-          <p:cNvSpPr>
-            <a:spLocks noGrp="1"/>
-          </p:cNvSpPr>
-          <p:nvPr>
-            <p:ph sz="half" idx="2"/>
-          </p:nvPr>
-        </p:nvSpPr>
-        <p:spPr/>
-        <p:txBody>
-          <a:bodyPr/>
-          <a:lstStyle/>
-          <a:p>
-            <a:endParaRPr lang="en-US" dirty="0"/>
-          </a:p>
-        </p:txBody>
-      </p:sp>
+      <p:pic>
+        <p:nvPicPr>
+          <p:cNvPr id="5" name="Picture 4"/>
+          <p:cNvPicPr>
+            <a:picLocks noChangeAspect="1"/>
+          </p:cNvPicPr>
+          <p:nvPr/>
+        </p:nvPicPr>
+        <p:blipFill>
+          <a:blip r:embed="rId3" cstate="print">
+            <a:extLst>
+              <a:ext uri="{28A0092B-C50C-407E-A947-70E740481C1C}">
+                <a14:useLocalDpi xmlns:a14="http://schemas.microsoft.com/office/drawing/2010/main" val="0"/>
+              </a:ext>
+            </a:extLst>
+          </a:blip>
+          <a:stretch>
+            <a:fillRect/>
+          </a:stretch>
+        </p:blipFill>
+        <p:spPr>
+          <a:xfrm>
+            <a:off x="7914967" y="57150"/>
+            <a:ext cx="1229033" cy="685800"/>
+          </a:xfrm>
+          <a:prstGeom prst="rect">
+            <a:avLst/>
+          </a:prstGeom>
+        </p:spPr>
+      </p:pic>
+      <p:pic>
+        <p:nvPicPr>
+          <p:cNvPr id="2" name="Picture 1"/>
+          <p:cNvPicPr>
+            <a:picLocks noChangeAspect="1"/>
+          </p:cNvPicPr>
+          <p:nvPr/>
+        </p:nvPicPr>
+        <p:blipFill>
+          <a:blip r:embed="rId4"/>
+          <a:stretch>
+            <a:fillRect/>
+          </a:stretch>
+        </p:blipFill>
+        <p:spPr>
+          <a:xfrm>
+            <a:off x="925115" y="892175"/>
+            <a:ext cx="7293769" cy="3807360"/>
+          </a:xfrm>
+          <a:prstGeom prst="rect">
+            <a:avLst/>
+          </a:prstGeom>
+        </p:spPr>
+      </p:pic>
     </p:spTree>
     <p:extLst>
       <p:ext uri="{BB962C8B-B14F-4D97-AF65-F5344CB8AC3E}">
-        <p14:creationId xmlns:p14="http://schemas.microsoft.com/office/powerpoint/2010/main" val="1144493647"/>
+        <p14:creationId xmlns:p14="http://schemas.microsoft.com/office/powerpoint/2010/main" val="71019298"/>
       </p:ext>
     </p:extLst>
   </p:cSld>
   <p:clrMapOvr>
     <a:masterClrMapping/>
   </p:clrMapOvr>
-  <mc:AlternateContent xmlns:mc="http://schemas.openxmlformats.org/markup-compatibility/2006" xmlns:p14="http://schemas.microsoft.com/office/powerpoint/2010/main">
-    <mc:Choice Requires="p14">
-      <p:transition spd="slow" p14:dur="2000"/>
-    </mc:Choice>
-    <mc:Fallback xmlns="">
-      <p:transition spd="slow"/>
-    </mc:Fallback>
-  </mc:AlternateContent>
+  <p:timing>
+    <p:tnLst>
+      <p:par>
+        <p:cTn id="1" dur="indefinite" restart="never" nodeType="tmRoot"/>
+      </p:par>
+    </p:tnLst>
+  </p:timing>
 </p:sld>
 </file>
 
@@ -4805,141 +5902,6 @@
       </p:grpSpPr>
       <p:sp>
         <p:nvSpPr>
-          <p:cNvPr id="2" name="Text Placeholder 1"/>
-          <p:cNvSpPr>
-            <a:spLocks noGrp="1"/>
-          </p:cNvSpPr>
-          <p:nvPr>
-            <p:ph type="body" sz="quarter" idx="11"/>
-          </p:nvPr>
-        </p:nvSpPr>
-        <p:spPr/>
-        <p:txBody>
-          <a:bodyPr/>
-          <a:lstStyle/>
-          <a:p>
-            <a:r>
-              <a:rPr lang="en-US" sz="1867" dirty="0" smtClean="0"/>
-              <a:t>What is Azure? </a:t>
-            </a:r>
-            <a:r>
-              <a:rPr lang="en-US" sz="1867" dirty="0"/>
-              <a:t>- </a:t>
-            </a:r>
-            <a:r>
-              <a:rPr lang="en-US" sz="1867" dirty="0">
-                <a:hlinkClick r:id="rId3"/>
-              </a:rPr>
-              <a:t>http://azure.microsoft.com/en-us/overview/what-is-azure</a:t>
-            </a:r>
-            <a:r>
-              <a:rPr lang="en-US" sz="1867" dirty="0" smtClean="0">
-                <a:hlinkClick r:id="rId3"/>
-              </a:rPr>
-              <a:t>/</a:t>
-            </a:r>
-            <a:endParaRPr lang="en-US" sz="1867" dirty="0" smtClean="0"/>
-          </a:p>
-          <a:p>
-            <a:r>
-              <a:rPr lang="en-US" sz="1867" dirty="0"/>
-              <a:t>Azure Status - </a:t>
-            </a:r>
-            <a:r>
-              <a:rPr lang="en-US" sz="1867" dirty="0">
-                <a:hlinkClick r:id="rId4"/>
-              </a:rPr>
-              <a:t>http://azure.microsoft.com/en-us/status</a:t>
-            </a:r>
-            <a:r>
-              <a:rPr lang="en-US" sz="1867" dirty="0" smtClean="0">
-                <a:hlinkClick r:id="rId4"/>
-              </a:rPr>
-              <a:t>/</a:t>
-            </a:r>
-            <a:endParaRPr lang="en-US" sz="1867" dirty="0" smtClean="0"/>
-          </a:p>
-          <a:p>
-            <a:r>
-              <a:rPr lang="en-US" sz="1867" dirty="0"/>
-              <a:t>Azure Management Portal - </a:t>
-            </a:r>
-            <a:r>
-              <a:rPr lang="en-US" sz="1867" dirty="0">
-                <a:hlinkClick r:id="rId5"/>
-              </a:rPr>
-              <a:t>https://manage.windowsazure.com</a:t>
-            </a:r>
-            <a:r>
-              <a:rPr lang="en-US" sz="1867" dirty="0" smtClean="0">
-                <a:hlinkClick r:id="rId5"/>
-              </a:rPr>
-              <a:t>/</a:t>
-            </a:r>
-            <a:endParaRPr lang="en-US" sz="1867" dirty="0" smtClean="0"/>
-          </a:p>
-          <a:p>
-            <a:r>
-              <a:rPr lang="en-US" sz="1867" dirty="0" smtClean="0"/>
-              <a:t>Azure </a:t>
-            </a:r>
-            <a:r>
-              <a:rPr lang="en-US" sz="1867" dirty="0"/>
-              <a:t>Preview Portal - </a:t>
-            </a:r>
-            <a:r>
-              <a:rPr lang="en-US" sz="1867" dirty="0">
-                <a:hlinkClick r:id="rId6"/>
-              </a:rPr>
-              <a:t>https://portal.azure.com</a:t>
-            </a:r>
-            <a:r>
-              <a:rPr lang="en-US" sz="1867" dirty="0" smtClean="0">
-                <a:hlinkClick r:id="rId6"/>
-              </a:rPr>
-              <a:t>/</a:t>
-            </a:r>
-            <a:endParaRPr lang="en-US" sz="1867" dirty="0" smtClean="0"/>
-          </a:p>
-          <a:p>
-            <a:r>
-              <a:rPr lang="en-US" sz="1867" dirty="0" smtClean="0"/>
-              <a:t>Installing </a:t>
-            </a:r>
-            <a:r>
-              <a:rPr lang="en-US" sz="1867" dirty="0"/>
-              <a:t>Azure PowerShell - </a:t>
-            </a:r>
-            <a:r>
-              <a:rPr lang="en-US" sz="1867" dirty="0">
-                <a:hlinkClick r:id="rId7"/>
-              </a:rPr>
-              <a:t>https://azure.microsoft.com/en-us/documentation/articles/powershell-install-configure</a:t>
-            </a:r>
-            <a:r>
-              <a:rPr lang="en-US" sz="1867" dirty="0" smtClean="0">
-                <a:hlinkClick r:id="rId7"/>
-              </a:rPr>
-              <a:t>/</a:t>
-            </a:r>
-            <a:endParaRPr lang="en-US" sz="1867" dirty="0" smtClean="0"/>
-          </a:p>
-          <a:p>
-            <a:endParaRPr lang="en-US" sz="1867" dirty="0" smtClean="0"/>
-          </a:p>
-          <a:p>
-            <a:endParaRPr lang="en-US" sz="1867" dirty="0" smtClean="0"/>
-          </a:p>
-          <a:p>
-            <a:endParaRPr lang="en-US" sz="1867" dirty="0" smtClean="0"/>
-          </a:p>
-          <a:p>
-            <a:endParaRPr lang="en-US" sz="1867" dirty="0" smtClean="0"/>
-          </a:p>
-        </p:txBody>
-      </p:sp>
-      <p:sp>
-        <p:nvSpPr>
           <p:cNvPr id="3" name="Title 2"/>
           <p:cNvSpPr>
             <a:spLocks noGrp="1"/>
@@ -4960,9 +5922,15 @@
           <a:p>
             <a:r>
               <a:rPr lang="en-US" sz="3600" dirty="0" smtClean="0"/>
-              <a:t>References</a:t>
-            </a:r>
-            <a:endParaRPr lang="en-US" sz="3600" dirty="0"/>
+              <a:t>REST API</a:t>
+            </a:r>
+            <a:r>
+              <a:rPr lang="en-US" sz="3600" cap="none" dirty="0" smtClean="0"/>
+              <a:t>s</a:t>
+            </a:r>
+            <a:endParaRPr lang="en-US" sz="1400" b="0" cap="none" dirty="0">
+              <a:latin typeface="+mn-lt"/>
+            </a:endParaRPr>
           </a:p>
         </p:txBody>
       </p:sp>
@@ -4975,7 +5943,7 @@
           <p:nvPr/>
         </p:nvPicPr>
         <p:blipFill>
-          <a:blip r:embed="rId8" cstate="print">
+          <a:blip r:embed="rId3" cstate="print">
             <a:extLst>
               <a:ext uri="{28A0092B-C50C-407E-A947-70E740481C1C}">
                 <a14:useLocalDpi xmlns:a14="http://schemas.microsoft.com/office/drawing/2010/main" val="0"/>
@@ -4996,10 +5964,314 @@
           </a:prstGeom>
         </p:spPr>
       </p:pic>
+      <p:pic>
+        <p:nvPicPr>
+          <p:cNvPr id="1036" name="Picture 12" descr="http://image.slidesharecdn.com/rest-tuttle-130913084859-phpapp01/95/rest-apis-easier-than-you-imagined-17-638.jpg?cb=1379062345"/>
+          <p:cNvPicPr>
+            <a:picLocks noChangeAspect="1" noChangeArrowheads="1"/>
+          </p:cNvPicPr>
+          <p:nvPr/>
+        </p:nvPicPr>
+        <p:blipFill>
+          <a:blip r:embed="rId4">
+            <a:extLst>
+              <a:ext uri="{28A0092B-C50C-407E-A947-70E740481C1C}">
+                <a14:useLocalDpi xmlns:a14="http://schemas.microsoft.com/office/drawing/2010/main" val="0"/>
+              </a:ext>
+            </a:extLst>
+          </a:blip>
+          <a:srcRect/>
+          <a:stretch>
+            <a:fillRect/>
+          </a:stretch>
+        </p:blipFill>
+        <p:spPr bwMode="auto">
+          <a:xfrm>
+            <a:off x="2232818" y="1063625"/>
+            <a:ext cx="4678363" cy="3512440"/>
+          </a:xfrm>
+          <a:prstGeom prst="rect">
+            <a:avLst/>
+          </a:prstGeom>
+          <a:noFill/>
+          <a:extLst>
+            <a:ext uri="{909E8E84-426E-40DD-AFC4-6F175D3DCCD1}">
+              <a14:hiddenFill xmlns:a14="http://schemas.microsoft.com/office/drawing/2010/main">
+                <a:solidFill>
+                  <a:srgbClr val="FFFFFF"/>
+                </a:solidFill>
+              </a14:hiddenFill>
+            </a:ext>
+          </a:extLst>
+        </p:spPr>
+      </p:pic>
     </p:spTree>
     <p:extLst>
       <p:ext uri="{BB962C8B-B14F-4D97-AF65-F5344CB8AC3E}">
-        <p14:creationId xmlns:p14="http://schemas.microsoft.com/office/powerpoint/2010/main" val="445142856"/>
+        <p14:creationId xmlns:p14="http://schemas.microsoft.com/office/powerpoint/2010/main" val="2872145855"/>
+      </p:ext>
+    </p:extLst>
+  </p:cSld>
+  <p:clrMapOvr>
+    <a:masterClrMapping/>
+  </p:clrMapOvr>
+  <p:timing>
+    <p:tnLst>
+      <p:par>
+        <p:cTn id="1" dur="indefinite" restart="never" nodeType="tmRoot"/>
+      </p:par>
+    </p:tnLst>
+  </p:timing>
+</p:sld>
+</file>
+
+<file path=ppt/slides/slide18.xml><?xml version="1.0" encoding="utf-8"?>
+<p:sld xmlns:a="http://schemas.openxmlformats.org/drawingml/2006/main" xmlns:r="http://schemas.openxmlformats.org/officeDocument/2006/relationships" xmlns:p="http://schemas.openxmlformats.org/presentationml/2006/main">
+  <p:cSld>
+    <p:spTree>
+      <p:nvGrpSpPr>
+        <p:cNvPr id="1" name=""/>
+        <p:cNvGrpSpPr/>
+        <p:nvPr/>
+      </p:nvGrpSpPr>
+      <p:grpSpPr>
+        <a:xfrm>
+          <a:off x="0" y="0"/>
+          <a:ext cx="0" cy="0"/>
+          <a:chOff x="0" y="0"/>
+          <a:chExt cx="0" cy="0"/>
+        </a:xfrm>
+      </p:grpSpPr>
+      <p:sp>
+        <p:nvSpPr>
+          <p:cNvPr id="3" name="Title 2"/>
+          <p:cNvSpPr>
+            <a:spLocks noGrp="1"/>
+          </p:cNvSpPr>
+          <p:nvPr>
+            <p:ph type="title"/>
+          </p:nvPr>
+        </p:nvSpPr>
+        <p:spPr>
+          <a:xfrm>
+            <a:off x="1171339" y="206375"/>
+            <a:ext cx="6801323" cy="857250"/>
+          </a:xfrm>
+        </p:spPr>
+        <p:txBody>
+          <a:bodyPr/>
+          <a:lstStyle/>
+          <a:p>
+            <a:r>
+              <a:rPr lang="en-US" sz="3600" dirty="0" smtClean="0"/>
+              <a:t>Azure Mobile API</a:t>
+            </a:r>
+            <a:endParaRPr lang="en-US" sz="1400" b="0" cap="none" dirty="0">
+              <a:latin typeface="+mn-lt"/>
+            </a:endParaRPr>
+          </a:p>
+        </p:txBody>
+      </p:sp>
+      <p:pic>
+        <p:nvPicPr>
+          <p:cNvPr id="5" name="Picture 4"/>
+          <p:cNvPicPr>
+            <a:picLocks noChangeAspect="1"/>
+          </p:cNvPicPr>
+          <p:nvPr/>
+        </p:nvPicPr>
+        <p:blipFill>
+          <a:blip r:embed="rId3" cstate="print">
+            <a:extLst>
+              <a:ext uri="{28A0092B-C50C-407E-A947-70E740481C1C}">
+                <a14:useLocalDpi xmlns:a14="http://schemas.microsoft.com/office/drawing/2010/main" val="0"/>
+              </a:ext>
+            </a:extLst>
+          </a:blip>
+          <a:stretch>
+            <a:fillRect/>
+          </a:stretch>
+        </p:blipFill>
+        <p:spPr>
+          <a:xfrm>
+            <a:off x="7914967" y="57150"/>
+            <a:ext cx="1229033" cy="685800"/>
+          </a:xfrm>
+          <a:prstGeom prst="rect">
+            <a:avLst/>
+          </a:prstGeom>
+        </p:spPr>
+      </p:pic>
+      <p:pic>
+        <p:nvPicPr>
+          <p:cNvPr id="1026" name="Picture 2" descr="https://acomdpsstorage.blob.core.windows.net/dpsmedia-prod/azure.microsoft.com/en-us/documentation/articles/app-service-mobile-value-prop-preview/20150526092028/overview.png"/>
+          <p:cNvPicPr>
+            <a:picLocks noChangeAspect="1" noChangeArrowheads="1"/>
+          </p:cNvPicPr>
+          <p:nvPr/>
+        </p:nvPicPr>
+        <p:blipFill>
+          <a:blip r:embed="rId4">
+            <a:extLst>
+              <a:ext uri="{28A0092B-C50C-407E-A947-70E740481C1C}">
+                <a14:useLocalDpi xmlns:a14="http://schemas.microsoft.com/office/drawing/2010/main" val="0"/>
+              </a:ext>
+            </a:extLst>
+          </a:blip>
+          <a:srcRect/>
+          <a:stretch>
+            <a:fillRect/>
+          </a:stretch>
+        </p:blipFill>
+        <p:spPr bwMode="auto">
+          <a:xfrm>
+            <a:off x="1414462" y="1063625"/>
+            <a:ext cx="6315075" cy="3314700"/>
+          </a:xfrm>
+          <a:prstGeom prst="rect">
+            <a:avLst/>
+          </a:prstGeom>
+          <a:noFill/>
+          <a:extLst>
+            <a:ext uri="{909E8E84-426E-40DD-AFC4-6F175D3DCCD1}">
+              <a14:hiddenFill xmlns:a14="http://schemas.microsoft.com/office/drawing/2010/main">
+                <a:solidFill>
+                  <a:srgbClr val="FFFFFF"/>
+                </a:solidFill>
+              </a14:hiddenFill>
+            </a:ext>
+          </a:extLst>
+        </p:spPr>
+      </p:pic>
+    </p:spTree>
+    <p:extLst>
+      <p:ext uri="{BB962C8B-B14F-4D97-AF65-F5344CB8AC3E}">
+        <p14:creationId xmlns:p14="http://schemas.microsoft.com/office/powerpoint/2010/main" val="950243637"/>
+      </p:ext>
+    </p:extLst>
+  </p:cSld>
+  <p:clrMapOvr>
+    <a:masterClrMapping/>
+  </p:clrMapOvr>
+  <p:timing>
+    <p:tnLst>
+      <p:par>
+        <p:cTn id="1" dur="indefinite" restart="never" nodeType="tmRoot"/>
+      </p:par>
+    </p:tnLst>
+  </p:timing>
+</p:sld>
+</file>
+
+<file path=ppt/slides/slide19.xml><?xml version="1.0" encoding="utf-8"?>
+<p:sld xmlns:a="http://schemas.openxmlformats.org/drawingml/2006/main" xmlns:r="http://schemas.openxmlformats.org/officeDocument/2006/relationships" xmlns:p="http://schemas.openxmlformats.org/presentationml/2006/main">
+  <p:cSld>
+    <p:spTree>
+      <p:nvGrpSpPr>
+        <p:cNvPr id="1" name=""/>
+        <p:cNvGrpSpPr/>
+        <p:nvPr/>
+      </p:nvGrpSpPr>
+      <p:grpSpPr>
+        <a:xfrm>
+          <a:off x="0" y="0"/>
+          <a:ext cx="0" cy="0"/>
+          <a:chOff x="0" y="0"/>
+          <a:chExt cx="0" cy="0"/>
+        </a:xfrm>
+      </p:grpSpPr>
+      <p:sp>
+        <p:nvSpPr>
+          <p:cNvPr id="3" name="Title 2"/>
+          <p:cNvSpPr>
+            <a:spLocks noGrp="1"/>
+          </p:cNvSpPr>
+          <p:nvPr>
+            <p:ph type="title"/>
+          </p:nvPr>
+        </p:nvSpPr>
+        <p:spPr>
+          <a:xfrm>
+            <a:off x="1171339" y="206375"/>
+            <a:ext cx="6801323" cy="857250"/>
+          </a:xfrm>
+        </p:spPr>
+        <p:txBody>
+          <a:bodyPr/>
+          <a:lstStyle/>
+          <a:p>
+            <a:r>
+              <a:rPr lang="en-US" sz="3600" dirty="0" smtClean="0"/>
+              <a:t>API-Connected Web </a:t>
+            </a:r>
+            <a:r>
+              <a:rPr lang="en-US" sz="3600" dirty="0" smtClean="0"/>
+              <a:t>APP</a:t>
+            </a:r>
+            <a:endParaRPr lang="en-US" sz="1400" b="0" cap="none" dirty="0">
+              <a:latin typeface="+mn-lt"/>
+            </a:endParaRPr>
+          </a:p>
+        </p:txBody>
+      </p:sp>
+      <p:pic>
+        <p:nvPicPr>
+          <p:cNvPr id="5" name="Picture 4"/>
+          <p:cNvPicPr>
+            <a:picLocks noChangeAspect="1"/>
+          </p:cNvPicPr>
+          <p:nvPr/>
+        </p:nvPicPr>
+        <p:blipFill>
+          <a:blip r:embed="rId3" cstate="print">
+            <a:extLst>
+              <a:ext uri="{28A0092B-C50C-407E-A947-70E740481C1C}">
+                <a14:useLocalDpi xmlns:a14="http://schemas.microsoft.com/office/drawing/2010/main" val="0"/>
+              </a:ext>
+            </a:extLst>
+          </a:blip>
+          <a:stretch>
+            <a:fillRect/>
+          </a:stretch>
+        </p:blipFill>
+        <p:spPr>
+          <a:xfrm>
+            <a:off x="7914967" y="57150"/>
+            <a:ext cx="1229033" cy="685800"/>
+          </a:xfrm>
+          <a:prstGeom prst="rect">
+            <a:avLst/>
+          </a:prstGeom>
+        </p:spPr>
+      </p:pic>
+      <p:pic>
+        <p:nvPicPr>
+          <p:cNvPr id="2" name="Picture 1"/>
+          <p:cNvPicPr>
+            <a:picLocks noChangeAspect="1"/>
+          </p:cNvPicPr>
+          <p:nvPr/>
+        </p:nvPicPr>
+        <p:blipFill>
+          <a:blip r:embed="rId4"/>
+          <a:stretch>
+            <a:fillRect/>
+          </a:stretch>
+        </p:blipFill>
+        <p:spPr>
+          <a:xfrm>
+            <a:off x="925115" y="892175"/>
+            <a:ext cx="7293769" cy="3807360"/>
+          </a:xfrm>
+          <a:prstGeom prst="rect">
+            <a:avLst/>
+          </a:prstGeom>
+        </p:spPr>
+      </p:pic>
+    </p:spTree>
+    <p:extLst>
+      <p:ext uri="{BB962C8B-B14F-4D97-AF65-F5344CB8AC3E}">
+        <p14:creationId xmlns:p14="http://schemas.microsoft.com/office/powerpoint/2010/main" val="2354929471"/>
       </p:ext>
     </p:extLst>
   </p:cSld>
@@ -5136,6 +6408,331 @@
     <p:extLst>
       <p:ext uri="{BB962C8B-B14F-4D97-AF65-F5344CB8AC3E}">
         <p14:creationId xmlns:p14="http://schemas.microsoft.com/office/powerpoint/2010/main" val="2611482197"/>
+      </p:ext>
+    </p:extLst>
+  </p:cSld>
+  <p:clrMapOvr>
+    <a:masterClrMapping/>
+  </p:clrMapOvr>
+  <p:timing>
+    <p:tnLst>
+      <p:par>
+        <p:cTn id="1" dur="indefinite" restart="never" nodeType="tmRoot"/>
+      </p:par>
+    </p:tnLst>
+  </p:timing>
+</p:sld>
+</file>
+
+<file path=ppt/slides/slide20.xml><?xml version="1.0" encoding="utf-8"?>
+<p:sld xmlns:a="http://schemas.openxmlformats.org/drawingml/2006/main" xmlns:r="http://schemas.openxmlformats.org/officeDocument/2006/relationships" xmlns:p="http://schemas.openxmlformats.org/presentationml/2006/main" show="0">
+  <p:cSld>
+    <p:spTree>
+      <p:nvGrpSpPr>
+        <p:cNvPr id="1" name=""/>
+        <p:cNvGrpSpPr/>
+        <p:nvPr/>
+      </p:nvGrpSpPr>
+      <p:grpSpPr>
+        <a:xfrm>
+          <a:off x="0" y="0"/>
+          <a:ext cx="0" cy="0"/>
+          <a:chOff x="0" y="0"/>
+          <a:chExt cx="0" cy="0"/>
+        </a:xfrm>
+      </p:grpSpPr>
+      <p:sp>
+        <p:nvSpPr>
+          <p:cNvPr id="7" name="Title 6"/>
+          <p:cNvSpPr>
+            <a:spLocks noGrp="1"/>
+          </p:cNvSpPr>
+          <p:nvPr>
+            <p:ph type="title"/>
+          </p:nvPr>
+        </p:nvSpPr>
+        <p:spPr/>
+        <p:txBody>
+          <a:bodyPr/>
+          <a:lstStyle/>
+          <a:p>
+            <a:endParaRPr lang="en-US" dirty="0"/>
+          </a:p>
+        </p:txBody>
+      </p:sp>
+      <p:sp>
+        <p:nvSpPr>
+          <p:cNvPr id="8" name="Content Placeholder 7"/>
+          <p:cNvSpPr>
+            <a:spLocks noGrp="1"/>
+          </p:cNvSpPr>
+          <p:nvPr>
+            <p:ph sz="half" idx="1"/>
+          </p:nvPr>
+        </p:nvSpPr>
+        <p:spPr/>
+        <p:txBody>
+          <a:bodyPr/>
+          <a:lstStyle/>
+          <a:p>
+            <a:endParaRPr lang="en-US" dirty="0"/>
+          </a:p>
+        </p:txBody>
+      </p:sp>
+      <p:sp>
+        <p:nvSpPr>
+          <p:cNvPr id="9" name="Content Placeholder 8"/>
+          <p:cNvSpPr>
+            <a:spLocks noGrp="1"/>
+          </p:cNvSpPr>
+          <p:nvPr>
+            <p:ph sz="half" idx="2"/>
+          </p:nvPr>
+        </p:nvSpPr>
+        <p:spPr/>
+        <p:txBody>
+          <a:bodyPr/>
+          <a:lstStyle/>
+          <a:p>
+            <a:endParaRPr lang="en-US" dirty="0"/>
+          </a:p>
+        </p:txBody>
+      </p:sp>
+    </p:spTree>
+    <p:extLst>
+      <p:ext uri="{BB962C8B-B14F-4D97-AF65-F5344CB8AC3E}">
+        <p14:creationId xmlns:p14="http://schemas.microsoft.com/office/powerpoint/2010/main" val="1144493647"/>
+      </p:ext>
+    </p:extLst>
+  </p:cSld>
+  <p:clrMapOvr>
+    <a:masterClrMapping/>
+  </p:clrMapOvr>
+  <mc:AlternateContent xmlns:mc="http://schemas.openxmlformats.org/markup-compatibility/2006" xmlns:p14="http://schemas.microsoft.com/office/powerpoint/2010/main">
+    <mc:Choice Requires="p14">
+      <p:transition spd="slow" p14:dur="2000"/>
+    </mc:Choice>
+    <mc:Fallback xmlns="">
+      <p:transition spd="slow"/>
+    </mc:Fallback>
+  </mc:AlternateContent>
+</p:sld>
+</file>
+
+<file path=ppt/slides/slide21.xml><?xml version="1.0" encoding="utf-8"?>
+<p:sld xmlns:a="http://schemas.openxmlformats.org/drawingml/2006/main" xmlns:r="http://schemas.openxmlformats.org/officeDocument/2006/relationships" xmlns:p="http://schemas.openxmlformats.org/presentationml/2006/main">
+  <p:cSld>
+    <p:spTree>
+      <p:nvGrpSpPr>
+        <p:cNvPr id="1" name=""/>
+        <p:cNvGrpSpPr/>
+        <p:nvPr/>
+      </p:nvGrpSpPr>
+      <p:grpSpPr>
+        <a:xfrm>
+          <a:off x="0" y="0"/>
+          <a:ext cx="0" cy="0"/>
+          <a:chOff x="0" y="0"/>
+          <a:chExt cx="0" cy="0"/>
+        </a:xfrm>
+      </p:grpSpPr>
+      <p:sp>
+        <p:nvSpPr>
+          <p:cNvPr id="2" name="Text Placeholder 1"/>
+          <p:cNvSpPr>
+            <a:spLocks noGrp="1"/>
+          </p:cNvSpPr>
+          <p:nvPr>
+            <p:ph type="body" sz="quarter" idx="11"/>
+          </p:nvPr>
+        </p:nvSpPr>
+        <p:spPr/>
+        <p:txBody>
+          <a:bodyPr/>
+          <a:lstStyle/>
+          <a:p>
+            <a:r>
+              <a:rPr lang="en-US" sz="1867" dirty="0" smtClean="0"/>
+              <a:t>What is Azure? </a:t>
+            </a:r>
+            <a:r>
+              <a:rPr lang="en-US" sz="1867" dirty="0"/>
+              <a:t>- </a:t>
+            </a:r>
+            <a:r>
+              <a:rPr lang="en-US" sz="1867" dirty="0">
+                <a:hlinkClick r:id="rId3"/>
+              </a:rPr>
+              <a:t>http://azure.microsoft.com/en-us/overview/what-is-azure</a:t>
+            </a:r>
+            <a:r>
+              <a:rPr lang="en-US" sz="1867" dirty="0" smtClean="0">
+                <a:hlinkClick r:id="rId3"/>
+              </a:rPr>
+              <a:t>/</a:t>
+            </a:r>
+            <a:endParaRPr lang="en-US" sz="1867" dirty="0" smtClean="0"/>
+          </a:p>
+          <a:p>
+            <a:r>
+              <a:rPr lang="en-US" sz="1867" dirty="0"/>
+              <a:t>Azure Status - </a:t>
+            </a:r>
+            <a:r>
+              <a:rPr lang="en-US" sz="1867" dirty="0">
+                <a:hlinkClick r:id="rId4"/>
+              </a:rPr>
+              <a:t>http://azure.microsoft.com/en-us/status</a:t>
+            </a:r>
+            <a:r>
+              <a:rPr lang="en-US" sz="1867" dirty="0" smtClean="0">
+                <a:hlinkClick r:id="rId4"/>
+              </a:rPr>
+              <a:t>/</a:t>
+            </a:r>
+            <a:endParaRPr lang="en-US" sz="1867" dirty="0" smtClean="0"/>
+          </a:p>
+          <a:p>
+            <a:r>
+              <a:rPr lang="en-US" sz="1867" dirty="0"/>
+              <a:t>Azure Management Portal - </a:t>
+            </a:r>
+            <a:r>
+              <a:rPr lang="en-US" sz="1867" dirty="0">
+                <a:hlinkClick r:id="rId5"/>
+              </a:rPr>
+              <a:t>https://manage.windowsazure.com</a:t>
+            </a:r>
+            <a:r>
+              <a:rPr lang="en-US" sz="1867" dirty="0" smtClean="0">
+                <a:hlinkClick r:id="rId5"/>
+              </a:rPr>
+              <a:t>/</a:t>
+            </a:r>
+            <a:endParaRPr lang="en-US" sz="1867" dirty="0" smtClean="0"/>
+          </a:p>
+          <a:p>
+            <a:r>
+              <a:rPr lang="en-US" sz="1867" dirty="0" smtClean="0"/>
+              <a:t>Azure </a:t>
+            </a:r>
+            <a:r>
+              <a:rPr lang="en-US" sz="1867" dirty="0"/>
+              <a:t>Preview Portal - </a:t>
+            </a:r>
+            <a:r>
+              <a:rPr lang="en-US" sz="1867" dirty="0">
+                <a:hlinkClick r:id="rId6"/>
+              </a:rPr>
+              <a:t>https://portal.azure.com</a:t>
+            </a:r>
+            <a:r>
+              <a:rPr lang="en-US" sz="1867" dirty="0" smtClean="0">
+                <a:hlinkClick r:id="rId6"/>
+              </a:rPr>
+              <a:t>/</a:t>
+            </a:r>
+            <a:endParaRPr lang="en-US" sz="1867" dirty="0" smtClean="0"/>
+          </a:p>
+          <a:p>
+            <a:r>
+              <a:rPr lang="en-US" sz="1867" dirty="0" smtClean="0"/>
+              <a:t>Installing </a:t>
+            </a:r>
+            <a:r>
+              <a:rPr lang="en-US" sz="1867" dirty="0"/>
+              <a:t>Azure PowerShell - </a:t>
+            </a:r>
+            <a:r>
+              <a:rPr lang="en-US" sz="1867" dirty="0">
+                <a:hlinkClick r:id="rId7"/>
+              </a:rPr>
+              <a:t>https://azure.microsoft.com/en-us/documentation/articles/powershell-install-configure</a:t>
+            </a:r>
+            <a:r>
+              <a:rPr lang="en-US" sz="1867" dirty="0" smtClean="0">
+                <a:hlinkClick r:id="rId7"/>
+              </a:rPr>
+              <a:t>/</a:t>
+            </a:r>
+            <a:endParaRPr lang="en-US" sz="1867" dirty="0" smtClean="0"/>
+          </a:p>
+          <a:p>
+            <a:endParaRPr lang="en-US" sz="1867" dirty="0" smtClean="0"/>
+          </a:p>
+          <a:p>
+            <a:endParaRPr lang="en-US" sz="1867" dirty="0" smtClean="0"/>
+          </a:p>
+          <a:p>
+            <a:endParaRPr lang="en-US" sz="1867" dirty="0" smtClean="0"/>
+          </a:p>
+          <a:p>
+            <a:endParaRPr lang="en-US" sz="1867" dirty="0" smtClean="0"/>
+          </a:p>
+        </p:txBody>
+      </p:sp>
+      <p:sp>
+        <p:nvSpPr>
+          <p:cNvPr id="3" name="Title 2"/>
+          <p:cNvSpPr>
+            <a:spLocks noGrp="1"/>
+          </p:cNvSpPr>
+          <p:nvPr>
+            <p:ph type="title"/>
+          </p:nvPr>
+        </p:nvSpPr>
+        <p:spPr>
+          <a:xfrm>
+            <a:off x="1171339" y="206375"/>
+            <a:ext cx="6801323" cy="857250"/>
+          </a:xfrm>
+        </p:spPr>
+        <p:txBody>
+          <a:bodyPr/>
+          <a:lstStyle/>
+          <a:p>
+            <a:r>
+              <a:rPr lang="en-US" sz="3600" dirty="0" smtClean="0"/>
+              <a:t>References</a:t>
+            </a:r>
+            <a:endParaRPr lang="en-US" sz="3600" dirty="0"/>
+          </a:p>
+        </p:txBody>
+      </p:sp>
+      <p:pic>
+        <p:nvPicPr>
+          <p:cNvPr id="5" name="Picture 4"/>
+          <p:cNvPicPr>
+            <a:picLocks noChangeAspect="1"/>
+          </p:cNvPicPr>
+          <p:nvPr/>
+        </p:nvPicPr>
+        <p:blipFill>
+          <a:blip r:embed="rId8" cstate="print">
+            <a:extLst>
+              <a:ext uri="{28A0092B-C50C-407E-A947-70E740481C1C}">
+                <a14:useLocalDpi xmlns:a14="http://schemas.microsoft.com/office/drawing/2010/main" val="0"/>
+              </a:ext>
+            </a:extLst>
+          </a:blip>
+          <a:stretch>
+            <a:fillRect/>
+          </a:stretch>
+        </p:blipFill>
+        <p:spPr>
+          <a:xfrm>
+            <a:off x="7914967" y="57150"/>
+            <a:ext cx="1229033" cy="685800"/>
+          </a:xfrm>
+          <a:prstGeom prst="rect">
+            <a:avLst/>
+          </a:prstGeom>
+        </p:spPr>
+      </p:pic>
+    </p:spTree>
+    <p:extLst>
+      <p:ext uri="{BB962C8B-B14F-4D97-AF65-F5344CB8AC3E}">
+        <p14:creationId xmlns:p14="http://schemas.microsoft.com/office/powerpoint/2010/main" val="445142856"/>
       </p:ext>
     </p:extLst>
   </p:cSld>
